--- a/doc/fig/contact_sw_arch.pptx
+++ b/doc/fig/contact_sw_arch.pptx
@@ -257,7 +257,7 @@
           <a:p>
             <a:fld id="{D9B80175-64DD-40CA-8282-60023B74220E}" type="datetimeFigureOut">
               <a:rPr lang="en-US" smtClean="0"/>
-              <a:t>1/19/2022</a:t>
+              <a:t>6/16/2023</a:t>
             </a:fld>
             <a:endParaRPr lang="en-US"/>
           </a:p>
@@ -427,7 +427,7 @@
           <a:p>
             <a:fld id="{D9B80175-64DD-40CA-8282-60023B74220E}" type="datetimeFigureOut">
               <a:rPr lang="en-US" smtClean="0"/>
-              <a:t>1/19/2022</a:t>
+              <a:t>6/16/2023</a:t>
             </a:fld>
             <a:endParaRPr lang="en-US"/>
           </a:p>
@@ -607,7 +607,7 @@
           <a:p>
             <a:fld id="{D9B80175-64DD-40CA-8282-60023B74220E}" type="datetimeFigureOut">
               <a:rPr lang="en-US" smtClean="0"/>
-              <a:t>1/19/2022</a:t>
+              <a:t>6/16/2023</a:t>
             </a:fld>
             <a:endParaRPr lang="en-US"/>
           </a:p>
@@ -777,7 +777,7 @@
           <a:p>
             <a:fld id="{D9B80175-64DD-40CA-8282-60023B74220E}" type="datetimeFigureOut">
               <a:rPr lang="en-US" smtClean="0"/>
-              <a:t>1/19/2022</a:t>
+              <a:t>6/16/2023</a:t>
             </a:fld>
             <a:endParaRPr lang="en-US"/>
           </a:p>
@@ -1021,7 +1021,7 @@
           <a:p>
             <a:fld id="{D9B80175-64DD-40CA-8282-60023B74220E}" type="datetimeFigureOut">
               <a:rPr lang="en-US" smtClean="0"/>
-              <a:t>1/19/2022</a:t>
+              <a:t>6/16/2023</a:t>
             </a:fld>
             <a:endParaRPr lang="en-US"/>
           </a:p>
@@ -1253,7 +1253,7 @@
           <a:p>
             <a:fld id="{D9B80175-64DD-40CA-8282-60023B74220E}" type="datetimeFigureOut">
               <a:rPr lang="en-US" smtClean="0"/>
-              <a:t>1/19/2022</a:t>
+              <a:t>6/16/2023</a:t>
             </a:fld>
             <a:endParaRPr lang="en-US"/>
           </a:p>
@@ -1620,7 +1620,7 @@
           <a:p>
             <a:fld id="{D9B80175-64DD-40CA-8282-60023B74220E}" type="datetimeFigureOut">
               <a:rPr lang="en-US" smtClean="0"/>
-              <a:t>1/19/2022</a:t>
+              <a:t>6/16/2023</a:t>
             </a:fld>
             <a:endParaRPr lang="en-US"/>
           </a:p>
@@ -1738,7 +1738,7 @@
           <a:p>
             <a:fld id="{D9B80175-64DD-40CA-8282-60023B74220E}" type="datetimeFigureOut">
               <a:rPr lang="en-US" smtClean="0"/>
-              <a:t>1/19/2022</a:t>
+              <a:t>6/16/2023</a:t>
             </a:fld>
             <a:endParaRPr lang="en-US"/>
           </a:p>
@@ -1833,7 +1833,7 @@
           <a:p>
             <a:fld id="{D9B80175-64DD-40CA-8282-60023B74220E}" type="datetimeFigureOut">
               <a:rPr lang="en-US" smtClean="0"/>
-              <a:t>1/19/2022</a:t>
+              <a:t>6/16/2023</a:t>
             </a:fld>
             <a:endParaRPr lang="en-US"/>
           </a:p>
@@ -2110,7 +2110,7 @@
           <a:p>
             <a:fld id="{D9B80175-64DD-40CA-8282-60023B74220E}" type="datetimeFigureOut">
               <a:rPr lang="en-US" smtClean="0"/>
-              <a:t>1/19/2022</a:t>
+              <a:t>6/16/2023</a:t>
             </a:fld>
             <a:endParaRPr lang="en-US"/>
           </a:p>
@@ -2367,7 +2367,7 @@
           <a:p>
             <a:fld id="{D9B80175-64DD-40CA-8282-60023B74220E}" type="datetimeFigureOut">
               <a:rPr lang="en-US" smtClean="0"/>
-              <a:t>1/19/2022</a:t>
+              <a:t>6/16/2023</a:t>
             </a:fld>
             <a:endParaRPr lang="en-US"/>
           </a:p>
@@ -2580,7 +2580,7 @@
           <a:p>
             <a:fld id="{D9B80175-64DD-40CA-8282-60023B74220E}" type="datetimeFigureOut">
               <a:rPr lang="en-US" smtClean="0"/>
-              <a:t>1/19/2022</a:t>
+              <a:t>6/16/2023</a:t>
             </a:fld>
             <a:endParaRPr lang="en-US"/>
           </a:p>
@@ -7896,6 +7896,14 @@
             </a:r>
             <a:r>
               <a:rPr lang="en-US" sz="1200" dirty="0"/>
+              <a:t> , </a:t>
+            </a:r>
+            <a:r>
+              <a:rPr lang="en-US" sz="1200" dirty="0" err="1"/>
+              <a:t>m_profile</a:t>
+            </a:r>
+            <a:r>
+              <a:rPr lang="en-US" sz="1200" dirty="0"/>
               <a:t>,</a:t>
             </a:r>
             <a:br>
@@ -7918,12 +7926,12 @@
               <a:t>, </a:t>
             </a:r>
             <a:r>
-              <a:rPr lang="en-US" sz="1200" dirty="0" err="1"/>
-              <a:t>m_profile</a:t>
+              <a:rPr lang="en-US" sz="1200"/>
+              <a:t>m_splin</a:t>
             </a:r>
             <a:r>
               <a:rPr lang="en-US" sz="1200" dirty="0"/>
-              <a:t>?</a:t>
+              <a:t>e</a:t>
             </a:r>
           </a:p>
         </p:txBody>
@@ -8030,73 +8038,6 @@
       </p:sp>
       <p:sp>
         <p:nvSpPr>
-          <p:cNvPr id="30" name="Rectangle 29">
-            <a:extLst>
-              <a:ext uri="{FF2B5EF4-FFF2-40B4-BE49-F238E27FC236}">
-                <a16:creationId xmlns:a16="http://schemas.microsoft.com/office/drawing/2014/main" id="{67D7866A-761E-4D60-81E3-672A7863DE3B}"/>
-              </a:ext>
-            </a:extLst>
-          </p:cNvPr>
-          <p:cNvSpPr/>
-          <p:nvPr/>
-        </p:nvSpPr>
-        <p:spPr>
-          <a:xfrm>
-            <a:off x="3312000" y="9360000"/>
-            <a:ext cx="1620000" cy="790575"/>
-          </a:xfrm>
-          <a:prstGeom prst="rect">
-            <a:avLst/>
-          </a:prstGeom>
-          <a:solidFill>
-            <a:schemeClr val="accent5">
-              <a:lumMod val="75000"/>
-            </a:schemeClr>
-          </a:solidFill>
-          <a:ln w="25400"/>
-        </p:spPr>
-        <p:style>
-          <a:lnRef idx="2">
-            <a:schemeClr val="accent1">
-              <a:shade val="50000"/>
-            </a:schemeClr>
-          </a:lnRef>
-          <a:fillRef idx="1">
-            <a:schemeClr val="accent1"/>
-          </a:fillRef>
-          <a:effectRef idx="0">
-            <a:schemeClr val="accent1"/>
-          </a:effectRef>
-          <a:fontRef idx="minor">
-            <a:schemeClr val="lt1"/>
-          </a:fontRef>
-        </p:style>
-        <p:txBody>
-          <a:bodyPr rtlCol="0" anchor="ctr"/>
-          <a:lstStyle/>
-          <a:p>
-            <a:pPr algn="ctr"/>
-            <a:r>
-              <a:rPr lang="en-US" sz="1600" dirty="0" err="1"/>
-              <a:t>SoftwareKey</a:t>
-            </a:r>
-            <a:r>
-              <a:rPr lang="en-US" sz="1600" dirty="0"/>
-              <a:t>:</a:t>
-            </a:r>
-            <a:br>
-              <a:rPr lang="en-US" sz="1600" dirty="0"/>
-            </a:br>
-            <a:r>
-              <a:rPr lang="en-US" sz="1600" dirty="0"/>
-              <a:t>PLUS5 SDK</a:t>
-            </a:r>
-            <a:endParaRPr lang="en-NL" sz="1600" dirty="0"/>
-          </a:p>
-        </p:txBody>
-      </p:sp>
-      <p:sp>
-        <p:nvSpPr>
           <p:cNvPr id="32" name="Rectangle 31">
             <a:extLst>
               <a:ext uri="{FF2B5EF4-FFF2-40B4-BE49-F238E27FC236}">
@@ -8673,7 +8614,11 @@
             </a:br>
             <a:r>
               <a:rPr lang="en-US" sz="1600" dirty="0" err="1"/>
-              <a:t>m_smooth</a:t>
+              <a:t>m_spline</a:t>
+            </a:r>
+            <a:r>
+              <a:rPr lang="en-US" sz="1600" dirty="0"/>
+              <a:t>_*</a:t>
             </a:r>
             <a:endParaRPr lang="en-NL" sz="1600" dirty="0"/>
           </a:p>
@@ -8731,6 +8676,17 @@
             <a:r>
               <a:rPr lang="en-US" sz="1600" dirty="0" err="1"/>
               <a:t>m_profile</a:t>
+            </a:r>
+            <a:r>
+              <a:rPr lang="en-US" sz="1600" dirty="0"/>
+              <a:t>,</a:t>
+            </a:r>
+            <a:br>
+              <a:rPr lang="en-US" sz="1600" dirty="0"/>
+            </a:br>
+            <a:r>
+              <a:rPr lang="en-US" sz="1600" dirty="0" err="1"/>
+              <a:t>m_varprof</a:t>
             </a:r>
             <a:endParaRPr lang="en-NL" sz="1600" dirty="0"/>
           </a:p>
